--- a/slides/Dantoni-Opsgility-MSFabric-Module12.pptx
+++ b/slides/Dantoni-Opsgility-MSFabric-Module12.pptx
@@ -206,7 +206,7 @@
           <a:p>
             <a:fld id="{0D354273-E04F-4A6B-AB46-301CAB090479}" type="datetimeFigureOut">
               <a:rPr lang="en-US" smtClean="0"/>
-              <a:t>9/24/2023</a:t>
+              <a:t>11/21/2023</a:t>
             </a:fld>
             <a:endParaRPr lang="en-US" dirty="0"/>
           </a:p>
@@ -669,7 +669,7 @@
                 <a:effectLst/>
                 <a:latin typeface="Segoe UI" panose="020B0502040204020203" pitchFamily="34" charset="0"/>
               </a:rPr>
-              <a:t>The multi-metric ribbon chart can help you identify if a certain type of workload is consuming all of your CUs. The items list can help you identify if there are performance issues or resource constraints due to a specific item, such as a notebook or dataset. </a:t>
+              <a:t>The multi-metric ribbon chart can help you identify if a certain type of workload is consuming all of your CUs. The items list can help you identify if there are performance issues or resource constraints due to a specific item, such as a notebook or semantic model. </a:t>
             </a:r>
             <a:endParaRPr lang="en-US" dirty="0"/>
           </a:p>
@@ -1645,7 +1645,7 @@
           <a:p>
             <a:r>
               <a:rPr lang="en-US" dirty="0"/>
-              <a:t>Disabling auto date/time can reduce the size of imported dataset as that feature creates a date table for each date or date/time field in the dataset. </a:t>
+              <a:t>Disabling auto date/time can reduce the size of imported semantic model as that feature creates a date table for each date or date/time field in the semantic model. </a:t>
             </a:r>
           </a:p>
           <a:p>
@@ -1663,7 +1663,7 @@
           <a:p>
             <a:r>
               <a:rPr lang="en-US" dirty="0"/>
-              <a:t>Rather than using a DAX custom column in an imported dataset, you could implement the same logic in the source warehouse or lakehouse</a:t>
+              <a:t>Rather than using a DAX custom column in an imported semantic model, you could implement the same logic in the source warehouse or lakehouse</a:t>
             </a:r>
           </a:p>
           <a:p>
@@ -1672,7 +1672,7 @@
           <a:p>
             <a:r>
               <a:rPr lang="en-US" dirty="0"/>
-              <a:t>Often tables have columns that are analytically irrelevant like audit columns in data warehouse tables. These columns should be removed from tables when importing into Power BI datasets or data flows. </a:t>
+              <a:t>Often tables have columns that are analytically irrelevant like audit columns in data warehouse tables. These columns should be removed from tables when importing into Power BI semantic models or data flows. </a:t>
             </a:r>
           </a:p>
           <a:p>
@@ -11759,7 +11759,7 @@
           <a:p>
             <a:r>
               <a:rPr lang="en-US" dirty="0"/>
-              <a:t>Power BI Datasets</a:t>
+              <a:t>Power BI Semantic Models</a:t>
             </a:r>
           </a:p>
         </p:txBody>
@@ -11783,7 +11783,7 @@
         <p:spPr>
           <a:xfrm>
             <a:off x="584200" y="1435100"/>
-            <a:ext cx="11018838" cy="4567404"/>
+            <a:ext cx="11018838" cy="4998291"/>
           </a:xfrm>
         </p:spPr>
         <p:txBody>
@@ -11810,7 +11810,7 @@
           <a:p>
             <a:r>
               <a:rPr lang="en-US" dirty="0"/>
-              <a:t>Remove unnecessary rows and columns in imported datasets</a:t>
+              <a:t>Remove unnecessary rows and columns in imported semantic models</a:t>
             </a:r>
           </a:p>
           <a:p>
@@ -12788,6 +12788,12 @@
 </file>
 
 <file path=customXml/item1.xml><?xml version="1.0" encoding="utf-8"?>
+<p:properties xmlns:p="http://schemas.microsoft.com/office/2006/metadata/properties" xmlns:xsi="http://www.w3.org/2001/XMLSchema-instance" xmlns:pc="http://schemas.microsoft.com/office/infopath/2007/PartnerControls">
+  <documentManagement/>
+</p:properties>
+</file>
+
+<file path=customXml/item2.xml><?xml version="1.0" encoding="utf-8"?>
 <ct:contentTypeSchema xmlns:ct="http://schemas.microsoft.com/office/2006/metadata/contentType" xmlns:ma="http://schemas.microsoft.com/office/2006/metadata/properties/metaAttributes" ct:_="" ma:_="" ma:contentTypeName="Document" ma:contentTypeID="0x010100B8CFE09A3088BA4C8DAD689BB01679B8" ma:contentTypeVersion="10" ma:contentTypeDescription="Create a new document." ma:contentTypeScope="" ma:versionID="76f34acd9020c8ce1aab729b67fd078e">
   <xsd:schema xmlns:xsd="http://www.w3.org/2001/XMLSchema" xmlns:xs="http://www.w3.org/2001/XMLSchema" xmlns:p="http://schemas.microsoft.com/office/2006/metadata/properties" xmlns:ns2="30241bb1-3633-4696-a205-62244f9c1dd7" targetNamespace="http://schemas.microsoft.com/office/2006/metadata/properties" ma:root="true" ma:fieldsID="a37d36f2a6ec64e42d083cbe14a0e6d2" ns2:_="">
     <xsd:import namespace="30241bb1-3633-4696-a205-62244f9c1dd7"/>
@@ -12971,12 +12977,6 @@
 </ct:contentTypeSchema>
 </file>
 
-<file path=customXml/item2.xml><?xml version="1.0" encoding="utf-8"?>
-<p:properties xmlns:p="http://schemas.microsoft.com/office/2006/metadata/properties" xmlns:xsi="http://www.w3.org/2001/XMLSchema-instance" xmlns:pc="http://schemas.microsoft.com/office/infopath/2007/PartnerControls">
-  <documentManagement/>
-</p:properties>
-</file>
-
 <file path=customXml/item3.xml><?xml version="1.0" encoding="utf-8"?>
 <?mso-contentType ?>
 <FormTemplates xmlns="http://schemas.microsoft.com/sharepoint/v3/contenttype/forms">
@@ -12987,16 +12987,30 @@
 </file>
 
 <file path=customXml/itemProps1.xml><?xml version="1.0" encoding="utf-8"?>
-<ds:datastoreItem xmlns:ds="http://schemas.openxmlformats.org/officeDocument/2006/customXml" ds:itemID="{5D03A620-156E-4864-9F34-0AE3E48FD2C6}"/>
-</file>
-
-<file path=customXml/itemProps2.xml><?xml version="1.0" encoding="utf-8"?>
 <ds:datastoreItem xmlns:ds="http://schemas.openxmlformats.org/officeDocument/2006/customXml" ds:itemID="{EDCB3B52-9508-4A63-AFCC-05E7630C15CA}">
   <ds:schemaRefs>
     <ds:schemaRef ds:uri="http://schemas.microsoft.com/office/2006/metadata/properties"/>
     <ds:schemaRef ds:uri="http://schemas.microsoft.com/office/infopath/2007/PartnerControls"/>
     <ds:schemaRef ds:uri="ec9ab3cf-5ffc-4e23-9951-e59f1d4d2772"/>
     <ds:schemaRef ds:uri="df7f103e-597c-493b-bc31-914106b908e0"/>
+  </ds:schemaRefs>
+</ds:datastoreItem>
+</file>
+
+<file path=customXml/itemProps2.xml><?xml version="1.0" encoding="utf-8"?>
+<ds:datastoreItem xmlns:ds="http://schemas.openxmlformats.org/officeDocument/2006/customXml" ds:itemID="{5D03A620-156E-4864-9F34-0AE3E48FD2C6}">
+  <ds:schemaRefs>
+    <ds:schemaRef ds:uri="http://schemas.microsoft.com/office/2006/metadata/contentType"/>
+    <ds:schemaRef ds:uri="http://schemas.microsoft.com/office/2006/metadata/properties/metaAttributes"/>
+    <ds:schemaRef ds:uri="http://www.w3.org/2001/XMLSchema"/>
+    <ds:schemaRef ds:uri="http://schemas.microsoft.com/office/2006/metadata/properties"/>
+    <ds:schemaRef ds:uri="30241bb1-3633-4696-a205-62244f9c1dd7"/>
+    <ds:schemaRef ds:uri="http://schemas.microsoft.com/office/2006/documentManagement/types"/>
+    <ds:schemaRef ds:uri="http://schemas.microsoft.com/office/infopath/2007/PartnerControls"/>
+    <ds:schemaRef ds:uri="http://schemas.openxmlformats.org/package/2006/metadata/core-properties"/>
+    <ds:schemaRef ds:uri="http://purl.org/dc/elements/1.1/"/>
+    <ds:schemaRef ds:uri="http://purl.org/dc/terms/"/>
+    <ds:schemaRef ds:uri="http://schemas.microsoft.com/internal/obd"/>
   </ds:schemaRefs>
 </ds:datastoreItem>
 </file>
